--- a/brand/templates/MusicBrainz - Google Slides Template.pptx
+++ b/brand/templates/MusicBrainz - Google Slides Template.pptx
@@ -23,26 +23,26 @@
   <p:notesSz cx="6858000" cy="9144000"/>
   <p:embeddedFontLst>
     <p:embeddedFont>
-      <p:font typeface="Roboto Medium" panose="02000000000000000000" pitchFamily="2" charset="0"/>
-      <p:regular r:id="rId13"/>
-      <p:bold r:id="rId14"/>
-      <p:italic r:id="rId15"/>
-      <p:boldItalic r:id="rId16"/>
+      <p:font typeface="Roboto Black" panose="02000000000000000000" pitchFamily="2" charset="0"/>
+      <p:bold r:id="rId13"/>
+      <p:boldItalic r:id="rId14"/>
+    </p:embeddedFont>
+    <p:embeddedFont>
+      <p:font typeface="Roboto" panose="02000000000000000000" pitchFamily="2" charset="0"/>
+      <p:regular r:id="rId15"/>
+      <p:bold r:id="rId16"/>
+      <p:italic r:id="rId17"/>
+      <p:boldItalic r:id="rId18"/>
     </p:embeddedFont>
     <p:embeddedFont>
       <p:font typeface="Calibri" panose="020F0502020204030204" pitchFamily="34" charset="0"/>
-      <p:regular r:id="rId17"/>
-      <p:bold r:id="rId18"/>
-      <p:italic r:id="rId19"/>
-      <p:boldItalic r:id="rId20"/>
-    </p:embeddedFont>
-    <p:embeddedFont>
-      <p:font typeface="Roboto Black" panose="02000000000000000000" pitchFamily="2" charset="0"/>
-      <p:bold r:id="rId21"/>
+      <p:regular r:id="rId19"/>
+      <p:bold r:id="rId20"/>
+      <p:italic r:id="rId21"/>
       <p:boldItalic r:id="rId22"/>
     </p:embeddedFont>
     <p:embeddedFont>
-      <p:font typeface="Roboto" panose="02000000000000000000" pitchFamily="2" charset="0"/>
+      <p:font typeface="Roboto Medium" panose="02000000000000000000" pitchFamily="2" charset="0"/>
       <p:regular r:id="rId23"/>
       <p:bold r:id="rId24"/>
       <p:italic r:id="rId25"/>
@@ -278,6 +278,11 @@
       </a:defRPr>
     </a:lvl9pPr>
   </p:defaultTextStyle>
+  <p:extLst>
+    <p:ext uri="{EFAFB233-063F-42B5-8137-9DF3F51BA10A}">
+      <p15:sldGuideLst xmlns:p15="http://schemas.microsoft.com/office/powerpoint/2012/main"/>
+    </p:ext>
+  </p:extLst>
 </p:presentation>
 </file>
 
@@ -8232,25 +8237,17 @@
           </a:bodyPr>
           <a:lstStyle/>
           <a:p>
-            <a:pPr marL="0" marR="0" lvl="0" indent="0" algn="l" rtl="0">
+            <a:pPr lvl="0">
               <a:lnSpc>
                 <a:spcPct val="90000"/>
               </a:lnSpc>
-              <a:spcBef>
-                <a:spcPts val="0"/>
-              </a:spcBef>
-              <a:spcAft>
-                <a:spcPts val="0"/>
-              </a:spcAft>
               <a:buClr>
                 <a:schemeClr val="accent2"/>
               </a:buClr>
               <a:buSzPts val="2400"/>
-              <a:buFont typeface="Arial"/>
-              <a:buNone/>
             </a:pPr>
             <a:r>
-              <a:rPr lang="en-US" sz="2200" i="0" u="none" strike="noStrike" cap="none">
+              <a:rPr lang="en-US" sz="2200" dirty="0">
                 <a:solidFill>
                   <a:srgbClr val="BA478F"/>
                 </a:solidFill>
@@ -8262,7 +8259,7 @@
               <a:t>To make a new slide: click on </a:t>
             </a:r>
             <a:r>
-              <a:rPr lang="en-US" sz="2200" i="1" u="none" strike="noStrike" cap="none">
+              <a:rPr lang="en-US" sz="2200" i="1" dirty="0">
                 <a:solidFill>
                   <a:srgbClr val="BA478F"/>
                 </a:solidFill>
@@ -8271,10 +8268,10 @@
                 <a:cs typeface="Roboto Medium"/>
                 <a:sym typeface="Roboto Medium"/>
               </a:rPr>
-              <a:t>Slide</a:t>
+              <a:t>Home</a:t>
             </a:r>
             <a:r>
-              <a:rPr lang="en-US" sz="2200" i="0" u="none" strike="noStrike" cap="none">
+              <a:rPr lang="en-US" sz="2200" dirty="0">
                 <a:solidFill>
                   <a:srgbClr val="BA478F"/>
                 </a:solidFill>
@@ -8283,10 +8280,10 @@
                 <a:cs typeface="Roboto Medium"/>
                 <a:sym typeface="Roboto Medium"/>
               </a:rPr>
-              <a:t> in the top bar, then </a:t>
+              <a:t> in the top </a:t>
             </a:r>
             <a:r>
-              <a:rPr lang="en-US" sz="2200" i="1" u="none" strike="noStrike" cap="none">
+              <a:rPr lang="en-US" sz="2200" dirty="0" smtClean="0">
                 <a:solidFill>
                   <a:srgbClr val="BA478F"/>
                 </a:solidFill>
@@ -8295,10 +8292,10 @@
                 <a:cs typeface="Roboto Medium"/>
                 <a:sym typeface="Roboto Medium"/>
               </a:rPr>
-              <a:t>New Slide</a:t>
+              <a:t>ribbon, </a:t>
             </a:r>
             <a:r>
-              <a:rPr lang="en-US" sz="2200">
+              <a:rPr lang="en-US" sz="2200" dirty="0">
                 <a:solidFill>
                   <a:srgbClr val="BA478F"/>
                 </a:solidFill>
@@ -8307,9 +8304,44 @@
                 <a:cs typeface="Roboto Medium"/>
                 <a:sym typeface="Roboto Medium"/>
               </a:rPr>
-              <a:t> (or ctrl/apple + m)</a:t>
+              <a:t>then </a:t>
             </a:r>
-            <a:endParaRPr sz="2200">
+            <a:r>
+              <a:rPr lang="en-US" sz="2200" i="1" dirty="0">
+                <a:solidFill>
+                  <a:srgbClr val="BA478F"/>
+                </a:solidFill>
+                <a:latin typeface="Roboto Medium"/>
+                <a:ea typeface="Roboto Medium"/>
+                <a:cs typeface="Roboto Medium"/>
+                <a:sym typeface="Roboto Medium"/>
+              </a:rPr>
+              <a:t>New Slide </a:t>
+            </a:r>
+            <a:r>
+              <a:rPr lang="en-US" sz="2200" dirty="0">
+                <a:solidFill>
+                  <a:srgbClr val="BA478F"/>
+                </a:solidFill>
+                <a:latin typeface="Roboto Medium"/>
+                <a:ea typeface="Roboto Medium"/>
+                <a:cs typeface="Roboto Medium"/>
+                <a:sym typeface="Roboto Medium"/>
+              </a:rPr>
+              <a:t>(or ctrl/apple + m)</a:t>
+            </a:r>
+          </a:p>
+          <a:p>
+            <a:pPr lvl="0">
+              <a:lnSpc>
+                <a:spcPct val="90000"/>
+              </a:lnSpc>
+              <a:buClr>
+                <a:schemeClr val="accent2"/>
+              </a:buClr>
+              <a:buSzPts val="2400"/>
+            </a:pPr>
+            <a:endParaRPr lang="en-US" sz="2200" dirty="0">
               <a:solidFill>
                 <a:srgbClr val="BA478F"/>
               </a:solidFill>
@@ -8320,53 +8352,17 @@
             </a:endParaRPr>
           </a:p>
           <a:p>
-            <a:pPr marL="0" marR="0" lvl="0" indent="0" algn="l" rtl="0">
+            <a:pPr lvl="0">
               <a:lnSpc>
                 <a:spcPct val="90000"/>
               </a:lnSpc>
-              <a:spcBef>
-                <a:spcPts val="0"/>
-              </a:spcBef>
-              <a:spcAft>
-                <a:spcPts val="0"/>
-              </a:spcAft>
               <a:buClr>
                 <a:schemeClr val="accent2"/>
               </a:buClr>
               <a:buSzPts val="2400"/>
-              <a:buFont typeface="Arial"/>
-              <a:buNone/>
-            </a:pPr>
-            <a:endParaRPr sz="2200">
-              <a:solidFill>
-                <a:srgbClr val="BA478F"/>
-              </a:solidFill>
-              <a:latin typeface="Roboto Medium"/>
-              <a:ea typeface="Roboto Medium"/>
-              <a:cs typeface="Roboto Medium"/>
-              <a:sym typeface="Roboto Medium"/>
-            </a:endParaRPr>
-          </a:p>
-          <a:p>
-            <a:pPr marL="0" marR="0" lvl="0" indent="0" algn="l" rtl="0">
-              <a:lnSpc>
-                <a:spcPct val="90000"/>
-              </a:lnSpc>
-              <a:spcBef>
-                <a:spcPts val="0"/>
-              </a:spcBef>
-              <a:spcAft>
-                <a:spcPts val="0"/>
-              </a:spcAft>
-              <a:buClr>
-                <a:schemeClr val="accent2"/>
-              </a:buClr>
-              <a:buSzPts val="2400"/>
-              <a:buFont typeface="Arial"/>
-              <a:buNone/>
             </a:pPr>
             <a:r>
-              <a:rPr lang="en-US" sz="2200">
+              <a:rPr lang="en-US" sz="2200" dirty="0">
                 <a:solidFill>
                   <a:srgbClr val="BA478F"/>
                 </a:solidFill>
@@ -8375,10 +8371,10 @@
                 <a:cs typeface="Roboto Medium"/>
                 <a:sym typeface="Roboto Medium"/>
               </a:rPr>
-              <a:t>To apply or change a layout click on </a:t>
+              <a:t>To apply or change a layout right-click a </a:t>
             </a:r>
             <a:r>
-              <a:rPr lang="en-US" sz="2200" i="1">
+              <a:rPr lang="en-US" sz="2200" dirty="0" smtClean="0">
                 <a:solidFill>
                   <a:srgbClr val="BA478F"/>
                 </a:solidFill>
@@ -8387,10 +8383,10 @@
                 <a:cs typeface="Roboto Medium"/>
                 <a:sym typeface="Roboto Medium"/>
               </a:rPr>
-              <a:t>Slide</a:t>
+              <a:t>slide </a:t>
             </a:r>
             <a:r>
-              <a:rPr lang="en-US" sz="2200">
+              <a:rPr lang="en-US" sz="2200" dirty="0">
                 <a:solidFill>
                   <a:srgbClr val="BA478F"/>
                 </a:solidFill>
@@ -8399,10 +8395,10 @@
                 <a:cs typeface="Roboto Medium"/>
                 <a:sym typeface="Roboto Medium"/>
               </a:rPr>
-              <a:t> and then </a:t>
+              <a:t>and </a:t>
             </a:r>
             <a:r>
-              <a:rPr lang="en-US" sz="2200" i="1">
+              <a:rPr lang="en-US" sz="2200" dirty="0" smtClean="0">
                 <a:solidFill>
                   <a:srgbClr val="BA478F"/>
                 </a:solidFill>
@@ -8411,10 +8407,22 @@
                 <a:cs typeface="Roboto Medium"/>
                 <a:sym typeface="Roboto Medium"/>
               </a:rPr>
-              <a:t>Apply Layout</a:t>
+              <a:t>then select </a:t>
             </a:r>
             <a:r>
-              <a:rPr lang="en-US" sz="2200">
+              <a:rPr lang="en-US" sz="2200" i="1" dirty="0">
+                <a:solidFill>
+                  <a:srgbClr val="BA478F"/>
+                </a:solidFill>
+                <a:latin typeface="Roboto Medium"/>
+                <a:ea typeface="Roboto Medium"/>
+                <a:cs typeface="Roboto Medium"/>
+                <a:sym typeface="Roboto Medium"/>
+              </a:rPr>
+              <a:t>Layout</a:t>
+            </a:r>
+            <a:r>
+              <a:rPr lang="en-US" sz="2200" dirty="0">
                 <a:solidFill>
                   <a:srgbClr val="BA478F"/>
                 </a:solidFill>
@@ -8425,15 +8433,6 @@
               </a:rPr>
               <a:t> to choose from the presets.</a:t>
             </a:r>
-            <a:endParaRPr sz="2200">
-              <a:solidFill>
-                <a:srgbClr val="BA478F"/>
-              </a:solidFill>
-              <a:latin typeface="Roboto Medium"/>
-              <a:ea typeface="Roboto Medium"/>
-              <a:cs typeface="Roboto Medium"/>
-              <a:sym typeface="Roboto Medium"/>
-            </a:endParaRPr>
           </a:p>
           <a:p>
             <a:pPr marL="0" marR="0" lvl="0" indent="0" algn="l" rtl="0">
@@ -8453,7 +8452,7 @@
               <a:buFont typeface="Arial"/>
               <a:buNone/>
             </a:pPr>
-            <a:endParaRPr sz="2200">
+            <a:endParaRPr sz="2200" dirty="0">
               <a:solidFill>
                 <a:srgbClr val="BA478F"/>
               </a:solidFill>
@@ -8482,7 +8481,7 @@
               <a:buNone/>
             </a:pPr>
             <a:r>
-              <a:rPr lang="en-US" sz="2200">
+              <a:rPr lang="en-US" sz="2200" dirty="0">
                 <a:solidFill>
                   <a:srgbClr val="BA478F"/>
                 </a:solidFill>
@@ -8494,7 +8493,7 @@
               <a:t>The following slides are examples to get you started.</a:t>
             </a:r>
             <a:r>
-              <a:rPr lang="en-US" sz="2200">
+              <a:rPr lang="en-US" sz="2200" dirty="0">
                 <a:solidFill>
                   <a:srgbClr val="5AA854"/>
                 </a:solidFill>
@@ -8506,7 +8505,7 @@
               <a:t> </a:t>
             </a:r>
             <a:r>
-              <a:rPr lang="en-US" sz="2200">
+              <a:rPr lang="en-US" sz="2200" dirty="0">
                 <a:solidFill>
                   <a:srgbClr val="FFA500"/>
                 </a:solidFill>
@@ -8517,7 +8516,7 @@
               </a:rPr>
               <a:t>Delete this slide!</a:t>
             </a:r>
-            <a:endParaRPr sz="2200">
+            <a:endParaRPr sz="2200" dirty="0">
               <a:solidFill>
                 <a:srgbClr val="FFA500"/>
               </a:solidFill>
@@ -8545,7 +8544,7 @@
               <a:buFont typeface="Arial"/>
               <a:buNone/>
             </a:pPr>
-            <a:endParaRPr sz="2200">
+            <a:endParaRPr sz="2200" dirty="0">
               <a:solidFill>
                 <a:srgbClr val="5AA854"/>
               </a:solidFill>
